--- a/reports/ppt/jsszyy.officegen.pptx
+++ b/reports/ppt/jsszyy.officegen.pptx
@@ -3028,14 +3028,6 @@
 <file path=ppt/slides/slide1.xml><?xml version="1.0" encoding="utf-8"?>
 <p:sld xmlns:a="http://schemas.openxmlformats.org/drawingml/2006/main" xmlns:r="http://schemas.openxmlformats.org/officeDocument/2006/relationships" xmlns:p="http://schemas.openxmlformats.org/presentationml/2006/main">
   <p:cSld name="Slide 1">
-    <p:bg>
-      <p:bgPr>
-        <a:solidFill>
-          <a:srgbClr val="000000"/>
-        </a:solidFill>
-        <a:effectLst/>
-      </p:bgPr>
-    </p:bg>
     <p:spTree>
       <p:nvGrpSpPr>
         <p:cNvPr id="1" name=""/>
